--- a/slides/asa-biop-webinar-feb2024.pptx
+++ b/slides/asa-biop-webinar-feb2024.pptx
@@ -9494,7 +9494,7 @@
             <a:pPr lvl="1"/>
             <a:r>
               <a:rPr/>
-              <a:t>Cross-industry collaboration (51 members from 33 organizations)</a:t>
+              <a:t>Cross-industry collaboration (52 members from 34 organizations)</a:t>
             </a:r>
           </a:p>
           <a:p>

--- a/slides/asa-biop-webinar-feb2024.pptx
+++ b/slides/asa-biop-webinar-feb2024.pptx
@@ -9494,7 +9494,7 @@
             <a:pPr lvl="1"/>
             <a:r>
               <a:rPr/>
-              <a:t>Cross-industry collaboration (52 members from 34 organizations)</a:t>
+              <a:t>Cross-industry collaboration (53 members from 35 organizations)</a:t>
             </a:r>
           </a:p>
           <a:p>

--- a/slides/asa-biop-webinar-feb2024.pptx
+++ b/slides/asa-biop-webinar-feb2024.pptx
@@ -9494,7 +9494,7 @@
             <a:pPr lvl="1"/>
             <a:r>
               <a:rPr/>
-              <a:t>Cross-industry collaboration (53 members from 35 organizations)</a:t>
+              <a:t>Cross-industry collaboration (55 members from 36 organizations)</a:t>
             </a:r>
           </a:p>
           <a:p>

--- a/slides/asa-biop-webinar-feb2024.pptx
+++ b/slides/asa-biop-webinar-feb2024.pptx
@@ -9494,7 +9494,7 @@
             <a:pPr lvl="1"/>
             <a:r>
               <a:rPr/>
-              <a:t>Cross-industry collaboration (55 members from 36 organizations)</a:t>
+              <a:t>Cross-industry collaboration (55 members from 35 organizations)</a:t>
             </a:r>
           </a:p>
           <a:p>

--- a/slides/asa-biop-webinar-feb2024.pptx
+++ b/slides/asa-biop-webinar-feb2024.pptx
@@ -9494,7 +9494,7 @@
             <a:pPr lvl="1"/>
             <a:r>
               <a:rPr/>
-              <a:t>Cross-industry collaboration (55 members from 35 organizations)</a:t>
+              <a:t>Cross-industry collaboration (56 members from 35 organizations)</a:t>
             </a:r>
           </a:p>
           <a:p>

--- a/slides/asa-biop-webinar-feb2024.pptx
+++ b/slides/asa-biop-webinar-feb2024.pptx
@@ -9494,7 +9494,7 @@
             <a:pPr lvl="1"/>
             <a:r>
               <a:rPr/>
-              <a:t>Cross-industry collaboration (56 members from 35 organizations)</a:t>
+              <a:t>Cross-industry collaboration (58 members from 37 organizations)</a:t>
             </a:r>
           </a:p>
           <a:p>

--- a/slides/asa-biop-webinar-feb2024.pptx
+++ b/slides/asa-biop-webinar-feb2024.pptx
@@ -9494,7 +9494,7 @@
             <a:pPr lvl="1"/>
             <a:r>
               <a:rPr/>
-              <a:t>Cross-industry collaboration (58 members from 37 organizations)</a:t>
+              <a:t>Cross-industry collaboration (60 members from 38 organizations)</a:t>
             </a:r>
           </a:p>
           <a:p>

--- a/slides/asa-biop-webinar-feb2024.pptx
+++ b/slides/asa-biop-webinar-feb2024.pptx
@@ -9494,7 +9494,7 @@
             <a:pPr lvl="1"/>
             <a:r>
               <a:rPr/>
-              <a:t>Cross-industry collaboration (60 members from 38 organizations)</a:t>
+              <a:t>Cross-industry collaboration (59 members from 38 organizations)</a:t>
             </a:r>
           </a:p>
           <a:p>

--- a/slides/asa-biop-webinar-feb2024.pptx
+++ b/slides/asa-biop-webinar-feb2024.pptx
@@ -9494,7 +9494,7 @@
             <a:pPr lvl="1"/>
             <a:r>
               <a:rPr/>
-              <a:t>Cross-industry collaboration (59 members from 38 organizations)</a:t>
+              <a:t>Cross-industry collaboration (63 members from 41 organizations)</a:t>
             </a:r>
           </a:p>
           <a:p>

--- a/slides/asa-biop-webinar-feb2024.pptx
+++ b/slides/asa-biop-webinar-feb2024.pptx
@@ -9494,7 +9494,7 @@
             <a:pPr lvl="1"/>
             <a:r>
               <a:rPr/>
-              <a:t>Cross-industry collaboration (63 members from 41 organizations)</a:t>
+              <a:t>Cross-industry collaboration (64 members from 41 organizations)</a:t>
             </a:r>
           </a:p>
           <a:p>
